--- a/docs/diagrams/ui_labelled.pptx
+++ b/docs/diagrams/ui_labelled.pptx
@@ -6,6 +6,7 @@
   </p:sldMasterIdLst>
   <p:sldIdLst>
     <p:sldId id="256" r:id="rId2"/>
+    <p:sldId id="257" r:id="rId3"/>
   </p:sldIdLst>
   <p:sldSz cx="12192000" cy="6858000"/>
   <p:notesSz cx="6858000" cy="9144000"/>
@@ -104,6 +105,11 @@
       </a:defRPr>
     </a:lvl9pPr>
   </p:defaultTextStyle>
+  <p:extLst>
+    <p:ext uri="{EFAFB233-063F-42B5-8137-9DF3F51BA10A}">
+      <p15:sldGuideLst xmlns:p15="http://schemas.microsoft.com/office/powerpoint/2012/main"/>
+    </p:ext>
+  </p:extLst>
 </p:presentation>
 </file>
 
@@ -254,7 +260,7 @@
           <a:p>
             <a:fld id="{E94D2D3D-A980-1A48-A881-487942C3AAE7}" type="datetimeFigureOut">
               <a:rPr lang="en-US" smtClean="0"/>
-              <a:t>4/2/19</a:t>
+              <a:t>4/7/19</a:t>
             </a:fld>
             <a:endParaRPr lang="en-US"/>
           </a:p>
@@ -452,7 +458,7 @@
           <a:p>
             <a:fld id="{E94D2D3D-A980-1A48-A881-487942C3AAE7}" type="datetimeFigureOut">
               <a:rPr lang="en-US" smtClean="0"/>
-              <a:t>4/2/19</a:t>
+              <a:t>4/7/19</a:t>
             </a:fld>
             <a:endParaRPr lang="en-US"/>
           </a:p>
@@ -660,7 +666,7 @@
           <a:p>
             <a:fld id="{E94D2D3D-A980-1A48-A881-487942C3AAE7}" type="datetimeFigureOut">
               <a:rPr lang="en-US" smtClean="0"/>
-              <a:t>4/2/19</a:t>
+              <a:t>4/7/19</a:t>
             </a:fld>
             <a:endParaRPr lang="en-US"/>
           </a:p>
@@ -858,7 +864,7 @@
           <a:p>
             <a:fld id="{E94D2D3D-A980-1A48-A881-487942C3AAE7}" type="datetimeFigureOut">
               <a:rPr lang="en-US" smtClean="0"/>
-              <a:t>4/2/19</a:t>
+              <a:t>4/7/19</a:t>
             </a:fld>
             <a:endParaRPr lang="en-US"/>
           </a:p>
@@ -1133,7 +1139,7 @@
           <a:p>
             <a:fld id="{E94D2D3D-A980-1A48-A881-487942C3AAE7}" type="datetimeFigureOut">
               <a:rPr lang="en-US" smtClean="0"/>
-              <a:t>4/2/19</a:t>
+              <a:t>4/7/19</a:t>
             </a:fld>
             <a:endParaRPr lang="en-US"/>
           </a:p>
@@ -1398,7 +1404,7 @@
           <a:p>
             <a:fld id="{E94D2D3D-A980-1A48-A881-487942C3AAE7}" type="datetimeFigureOut">
               <a:rPr lang="en-US" smtClean="0"/>
-              <a:t>4/2/19</a:t>
+              <a:t>4/7/19</a:t>
             </a:fld>
             <a:endParaRPr lang="en-US"/>
           </a:p>
@@ -1810,7 +1816,7 @@
           <a:p>
             <a:fld id="{E94D2D3D-A980-1A48-A881-487942C3AAE7}" type="datetimeFigureOut">
               <a:rPr lang="en-US" smtClean="0"/>
-              <a:t>4/2/19</a:t>
+              <a:t>4/7/19</a:t>
             </a:fld>
             <a:endParaRPr lang="en-US"/>
           </a:p>
@@ -1951,7 +1957,7 @@
           <a:p>
             <a:fld id="{E94D2D3D-A980-1A48-A881-487942C3AAE7}" type="datetimeFigureOut">
               <a:rPr lang="en-US" smtClean="0"/>
-              <a:t>4/2/19</a:t>
+              <a:t>4/7/19</a:t>
             </a:fld>
             <a:endParaRPr lang="en-US"/>
           </a:p>
@@ -2064,7 +2070,7 @@
           <a:p>
             <a:fld id="{E94D2D3D-A980-1A48-A881-487942C3AAE7}" type="datetimeFigureOut">
               <a:rPr lang="en-US" smtClean="0"/>
-              <a:t>4/2/19</a:t>
+              <a:t>4/7/19</a:t>
             </a:fld>
             <a:endParaRPr lang="en-US"/>
           </a:p>
@@ -2375,7 +2381,7 @@
           <a:p>
             <a:fld id="{E94D2D3D-A980-1A48-A881-487942C3AAE7}" type="datetimeFigureOut">
               <a:rPr lang="en-US" smtClean="0"/>
-              <a:t>4/2/19</a:t>
+              <a:t>4/7/19</a:t>
             </a:fld>
             <a:endParaRPr lang="en-US"/>
           </a:p>
@@ -2663,7 +2669,7 @@
           <a:p>
             <a:fld id="{E94D2D3D-A980-1A48-A881-487942C3AAE7}" type="datetimeFigureOut">
               <a:rPr lang="en-US" smtClean="0"/>
-              <a:t>4/2/19</a:t>
+              <a:t>4/7/19</a:t>
             </a:fld>
             <a:endParaRPr lang="en-US"/>
           </a:p>
@@ -2904,7 +2910,7 @@
           <a:p>
             <a:fld id="{E94D2D3D-A980-1A48-A881-487942C3AAE7}" type="datetimeFigureOut">
               <a:rPr lang="en-US" smtClean="0"/>
-              <a:t>4/2/19</a:t>
+              <a:t>4/7/19</a:t>
             </a:fld>
             <a:endParaRPr lang="en-US"/>
           </a:p>
@@ -3321,72 +3327,12 @@
           <a:chExt cx="0" cy="0"/>
         </a:xfrm>
       </p:grpSpPr>
-      <p:sp>
-        <p:nvSpPr>
-          <p:cNvPr id="2" name="Title 1">
-            <a:extLst>
-              <a:ext uri="{FF2B5EF4-FFF2-40B4-BE49-F238E27FC236}">
-                <a16:creationId xmlns:a16="http://schemas.microsoft.com/office/drawing/2014/main" id="{9DF09609-BF3E-1C4F-83EF-93823C38B8C3}"/>
-              </a:ext>
-            </a:extLst>
-          </p:cNvPr>
-          <p:cNvSpPr>
-            <a:spLocks noGrp="1"/>
-          </p:cNvSpPr>
-          <p:nvPr>
-            <p:ph type="ctrTitle"/>
-          </p:nvPr>
-        </p:nvSpPr>
-        <p:spPr>
-          <a:xfrm>
-            <a:off x="1524000" y="1122363"/>
-            <a:ext cx="9144000" cy="2387600"/>
-          </a:xfrm>
-        </p:spPr>
-        <p:txBody>
-          <a:bodyPr/>
-          <a:lstStyle/>
-          <a:p>
-            <a:endParaRPr lang="en-US"/>
-          </a:p>
-        </p:txBody>
-      </p:sp>
-      <p:sp>
-        <p:nvSpPr>
-          <p:cNvPr id="3" name="Subtitle 2">
-            <a:extLst>
-              <a:ext uri="{FF2B5EF4-FFF2-40B4-BE49-F238E27FC236}">
-                <a16:creationId xmlns:a16="http://schemas.microsoft.com/office/drawing/2014/main" id="{2199F4C6-E4DA-7D4D-839E-24A0BB2A59B0}"/>
-              </a:ext>
-            </a:extLst>
-          </p:cNvPr>
-          <p:cNvSpPr>
-            <a:spLocks noGrp="1"/>
-          </p:cNvSpPr>
-          <p:nvPr>
-            <p:ph type="subTitle" idx="1"/>
-          </p:nvPr>
-        </p:nvSpPr>
-        <p:spPr>
-          <a:xfrm>
-            <a:off x="1524000" y="3602038"/>
-            <a:ext cx="9144000" cy="1655762"/>
-          </a:xfrm>
-        </p:spPr>
-        <p:txBody>
-          <a:bodyPr/>
-          <a:lstStyle/>
-          <a:p>
-            <a:endParaRPr lang="en-US"/>
-          </a:p>
-        </p:txBody>
-      </p:sp>
       <p:pic>
         <p:nvPicPr>
-          <p:cNvPr id="5" name="Picture 4">
-            <a:extLst>
-              <a:ext uri="{FF2B5EF4-FFF2-40B4-BE49-F238E27FC236}">
-                <a16:creationId xmlns:a16="http://schemas.microsoft.com/office/drawing/2014/main" id="{9CD62CD9-3EDB-2846-A635-03F2F67C18AC}"/>
+          <p:cNvPr id="6" name="Picture 5">
+            <a:extLst>
+              <a:ext uri="{FF2B5EF4-FFF2-40B4-BE49-F238E27FC236}">
+                <a16:creationId xmlns:a16="http://schemas.microsoft.com/office/drawing/2014/main" id="{391487FD-7F28-0546-A866-F379E6C094EA}"/>
               </a:ext>
             </a:extLst>
           </p:cNvPr>
@@ -3395,15 +3341,14 @@
           </p:cNvPicPr>
           <p:nvPr/>
         </p:nvPicPr>
-        <p:blipFill>
+        <p:blipFill rotWithShape="1">
           <a:blip r:embed="rId2"/>
-          <a:stretch>
-            <a:fillRect/>
-          </a:stretch>
+          <a:srcRect t="1869"/>
+          <a:stretch/>
         </p:blipFill>
         <p:spPr>
           <a:xfrm>
-            <a:off x="524486" y="0"/>
+            <a:off x="524484" y="0"/>
             <a:ext cx="11143027" cy="6858000"/>
           </a:xfrm>
           <a:prstGeom prst="rect">
@@ -3468,61 +3413,6 @@
       </p:sp>
       <p:sp>
         <p:nvSpPr>
-          <p:cNvPr id="9" name="Oval 8">
-            <a:extLst>
-              <a:ext uri="{FF2B5EF4-FFF2-40B4-BE49-F238E27FC236}">
-                <a16:creationId xmlns:a16="http://schemas.microsoft.com/office/drawing/2014/main" id="{83981489-CE56-B243-A3CD-1F3B30A34BD9}"/>
-              </a:ext>
-            </a:extLst>
-          </p:cNvPr>
-          <p:cNvSpPr/>
-          <p:nvPr/>
-        </p:nvSpPr>
-        <p:spPr>
-          <a:xfrm>
-            <a:off x="7345649" y="3731866"/>
-            <a:ext cx="624386" cy="624386"/>
-          </a:xfrm>
-          <a:prstGeom prst="ellipse">
-            <a:avLst/>
-          </a:prstGeom>
-          <a:solidFill>
-            <a:srgbClr val="002060"/>
-          </a:solidFill>
-          <a:ln>
-            <a:noFill/>
-          </a:ln>
-        </p:spPr>
-        <p:style>
-          <a:lnRef idx="2">
-            <a:schemeClr val="accent1">
-              <a:shade val="50000"/>
-            </a:schemeClr>
-          </a:lnRef>
-          <a:fillRef idx="1">
-            <a:schemeClr val="accent1"/>
-          </a:fillRef>
-          <a:effectRef idx="0">
-            <a:schemeClr val="accent1"/>
-          </a:effectRef>
-          <a:fontRef idx="minor">
-            <a:schemeClr val="lt1"/>
-          </a:fontRef>
-        </p:style>
-        <p:txBody>
-          <a:bodyPr rtlCol="0" anchor="ctr"/>
-          <a:lstStyle/>
-          <a:p>
-            <a:pPr algn="ctr"/>
-            <a:r>
-              <a:rPr lang="en-US" sz="4800" b="1" dirty="0"/>
-              <a:t>3</a:t>
-            </a:r>
-          </a:p>
-        </p:txBody>
-      </p:sp>
-      <p:sp>
-        <p:nvSpPr>
           <p:cNvPr id="10" name="Oval 9">
             <a:extLst>
               <a:ext uri="{FF2B5EF4-FFF2-40B4-BE49-F238E27FC236}">
@@ -4059,8 +3949,8 @@
         </p:nvSpPr>
         <p:spPr>
           <a:xfrm>
-            <a:off x="524487" y="6607172"/>
-            <a:ext cx="11143026" cy="242694"/>
+            <a:off x="524487" y="6649068"/>
+            <a:ext cx="11143026" cy="200798"/>
           </a:xfrm>
           <a:prstGeom prst="rect">
             <a:avLst/>
@@ -4145,6 +4035,1123 @@
     <p:extLst>
       <p:ext uri="{BB962C8B-B14F-4D97-AF65-F5344CB8AC3E}">
         <p14:creationId xmlns:p14="http://schemas.microsoft.com/office/powerpoint/2010/main" val="175240965"/>
+      </p:ext>
+    </p:extLst>
+  </p:cSld>
+  <p:clrMapOvr>
+    <a:masterClrMapping/>
+  </p:clrMapOvr>
+</p:sld>
+</file>
+
+<file path=ppt/slides/slide2.xml><?xml version="1.0" encoding="utf-8"?>
+<p:sld xmlns:a="http://schemas.openxmlformats.org/drawingml/2006/main" xmlns:r="http://schemas.openxmlformats.org/officeDocument/2006/relationships" xmlns:p="http://schemas.openxmlformats.org/presentationml/2006/main">
+  <p:cSld>
+    <p:spTree>
+      <p:nvGrpSpPr>
+        <p:cNvPr id="1" name=""/>
+        <p:cNvGrpSpPr/>
+        <p:nvPr/>
+      </p:nvGrpSpPr>
+      <p:grpSpPr>
+        <a:xfrm>
+          <a:off x="0" y="0"/>
+          <a:ext cx="0" cy="0"/>
+          <a:chOff x="0" y="0"/>
+          <a:chExt cx="0" cy="0"/>
+        </a:xfrm>
+      </p:grpSpPr>
+      <p:pic>
+        <p:nvPicPr>
+          <p:cNvPr id="4" name="Picture 3">
+            <a:extLst>
+              <a:ext uri="{FF2B5EF4-FFF2-40B4-BE49-F238E27FC236}">
+                <a16:creationId xmlns:a16="http://schemas.microsoft.com/office/drawing/2014/main" id="{AB92FA25-C309-844E-8D96-18B4321B3711}"/>
+              </a:ext>
+            </a:extLst>
+          </p:cNvPr>
+          <p:cNvPicPr>
+            <a:picLocks noChangeAspect="1"/>
+          </p:cNvPicPr>
+          <p:nvPr/>
+        </p:nvPicPr>
+        <p:blipFill rotWithShape="1">
+          <a:blip r:embed="rId2"/>
+          <a:srcRect t="1869"/>
+          <a:stretch/>
+        </p:blipFill>
+        <p:spPr>
+          <a:xfrm>
+            <a:off x="602532" y="48033"/>
+            <a:ext cx="10986935" cy="6761933"/>
+          </a:xfrm>
+          <a:prstGeom prst="rect">
+            <a:avLst/>
+          </a:prstGeom>
+        </p:spPr>
+      </p:pic>
+      <p:sp>
+        <p:nvSpPr>
+          <p:cNvPr id="6" name="Rectangle 5">
+            <a:extLst>
+              <a:ext uri="{FF2B5EF4-FFF2-40B4-BE49-F238E27FC236}">
+                <a16:creationId xmlns:a16="http://schemas.microsoft.com/office/drawing/2014/main" id="{1617CE76-154B-D24B-BC99-E5A346E0BA5A}"/>
+              </a:ext>
+            </a:extLst>
+          </p:cNvPr>
+          <p:cNvSpPr/>
+          <p:nvPr/>
+        </p:nvSpPr>
+        <p:spPr>
+          <a:xfrm>
+            <a:off x="524486" y="20660"/>
+            <a:ext cx="11143027" cy="267940"/>
+          </a:xfrm>
+          <a:prstGeom prst="rect">
+            <a:avLst/>
+          </a:prstGeom>
+          <a:noFill/>
+          <a:ln w="28575">
+            <a:solidFill>
+              <a:srgbClr val="FF0000"/>
+            </a:solidFill>
+          </a:ln>
+        </p:spPr>
+        <p:style>
+          <a:lnRef idx="2">
+            <a:schemeClr val="accent1">
+              <a:shade val="50000"/>
+            </a:schemeClr>
+          </a:lnRef>
+          <a:fillRef idx="1">
+            <a:schemeClr val="accent1"/>
+          </a:fillRef>
+          <a:effectRef idx="0">
+            <a:schemeClr val="accent1"/>
+          </a:effectRef>
+          <a:fontRef idx="minor">
+            <a:schemeClr val="lt1"/>
+          </a:fontRef>
+        </p:style>
+        <p:txBody>
+          <a:bodyPr rtlCol="0" anchor="ctr"/>
+          <a:lstStyle/>
+          <a:p>
+            <a:pPr algn="ctr"/>
+            <a:endParaRPr lang="en-US"/>
+          </a:p>
+        </p:txBody>
+      </p:sp>
+      <p:sp>
+        <p:nvSpPr>
+          <p:cNvPr id="7" name="Rectangle 6">
+            <a:extLst>
+              <a:ext uri="{FF2B5EF4-FFF2-40B4-BE49-F238E27FC236}">
+                <a16:creationId xmlns:a16="http://schemas.microsoft.com/office/drawing/2014/main" id="{88BD1760-4B5B-D24B-A4AD-65C170122AF3}"/>
+              </a:ext>
+            </a:extLst>
+          </p:cNvPr>
+          <p:cNvSpPr/>
+          <p:nvPr/>
+        </p:nvSpPr>
+        <p:spPr>
+          <a:xfrm>
+            <a:off x="524487" y="1352811"/>
+            <a:ext cx="2318921" cy="5213259"/>
+          </a:xfrm>
+          <a:prstGeom prst="rect">
+            <a:avLst/>
+          </a:prstGeom>
+          <a:noFill/>
+          <a:ln w="28575">
+            <a:solidFill>
+              <a:srgbClr val="FFC000"/>
+            </a:solidFill>
+          </a:ln>
+        </p:spPr>
+        <p:style>
+          <a:lnRef idx="2">
+            <a:schemeClr val="accent1">
+              <a:shade val="50000"/>
+            </a:schemeClr>
+          </a:lnRef>
+          <a:fillRef idx="1">
+            <a:schemeClr val="accent1"/>
+          </a:fillRef>
+          <a:effectRef idx="0">
+            <a:schemeClr val="accent1"/>
+          </a:effectRef>
+          <a:fontRef idx="minor">
+            <a:schemeClr val="lt1"/>
+          </a:fontRef>
+        </p:style>
+        <p:txBody>
+          <a:bodyPr rtlCol="0" anchor="ctr"/>
+          <a:lstStyle/>
+          <a:p>
+            <a:pPr algn="ctr"/>
+            <a:endParaRPr lang="en-US"/>
+          </a:p>
+        </p:txBody>
+      </p:sp>
+      <p:sp>
+        <p:nvSpPr>
+          <p:cNvPr id="8" name="Rectangle 7">
+            <a:extLst>
+              <a:ext uri="{FF2B5EF4-FFF2-40B4-BE49-F238E27FC236}">
+                <a16:creationId xmlns:a16="http://schemas.microsoft.com/office/drawing/2014/main" id="{E3F625D0-6D72-2A4F-AF8A-EBE374E58854}"/>
+              </a:ext>
+            </a:extLst>
+          </p:cNvPr>
+          <p:cNvSpPr/>
+          <p:nvPr/>
+        </p:nvSpPr>
+        <p:spPr>
+          <a:xfrm>
+            <a:off x="524486" y="663879"/>
+            <a:ext cx="11143027" cy="601251"/>
+          </a:xfrm>
+          <a:prstGeom prst="rect">
+            <a:avLst/>
+          </a:prstGeom>
+          <a:noFill/>
+          <a:ln w="28575">
+            <a:solidFill>
+              <a:srgbClr val="7030A0"/>
+            </a:solidFill>
+          </a:ln>
+        </p:spPr>
+        <p:style>
+          <a:lnRef idx="2">
+            <a:schemeClr val="accent1">
+              <a:shade val="50000"/>
+            </a:schemeClr>
+          </a:lnRef>
+          <a:fillRef idx="1">
+            <a:schemeClr val="accent1"/>
+          </a:fillRef>
+          <a:effectRef idx="0">
+            <a:schemeClr val="accent1"/>
+          </a:effectRef>
+          <a:fontRef idx="minor">
+            <a:schemeClr val="lt1"/>
+          </a:fontRef>
+        </p:style>
+        <p:txBody>
+          <a:bodyPr rtlCol="0" anchor="ctr"/>
+          <a:lstStyle/>
+          <a:p>
+            <a:pPr algn="ctr"/>
+            <a:endParaRPr lang="en-US"/>
+          </a:p>
+        </p:txBody>
+      </p:sp>
+      <p:sp>
+        <p:nvSpPr>
+          <p:cNvPr id="9" name="Rectangle 8">
+            <a:extLst>
+              <a:ext uri="{FF2B5EF4-FFF2-40B4-BE49-F238E27FC236}">
+                <a16:creationId xmlns:a16="http://schemas.microsoft.com/office/drawing/2014/main" id="{8C7CE3A5-BAB1-264D-BEAC-47B8C1D59E90}"/>
+              </a:ext>
+            </a:extLst>
+          </p:cNvPr>
+          <p:cNvSpPr/>
+          <p:nvPr/>
+        </p:nvSpPr>
+        <p:spPr>
+          <a:xfrm>
+            <a:off x="524486" y="342902"/>
+            <a:ext cx="11143027" cy="233296"/>
+          </a:xfrm>
+          <a:prstGeom prst="rect">
+            <a:avLst/>
+          </a:prstGeom>
+          <a:noFill/>
+          <a:ln w="28575">
+            <a:solidFill>
+              <a:srgbClr val="00B050"/>
+            </a:solidFill>
+          </a:ln>
+        </p:spPr>
+        <p:style>
+          <a:lnRef idx="2">
+            <a:schemeClr val="accent1">
+              <a:shade val="50000"/>
+            </a:schemeClr>
+          </a:lnRef>
+          <a:fillRef idx="1">
+            <a:schemeClr val="accent1"/>
+          </a:fillRef>
+          <a:effectRef idx="0">
+            <a:schemeClr val="accent1"/>
+          </a:effectRef>
+          <a:fontRef idx="minor">
+            <a:schemeClr val="lt1"/>
+          </a:fontRef>
+        </p:style>
+        <p:txBody>
+          <a:bodyPr rtlCol="0" anchor="ctr"/>
+          <a:lstStyle/>
+          <a:p>
+            <a:pPr algn="ctr"/>
+            <a:endParaRPr lang="en-US"/>
+          </a:p>
+        </p:txBody>
+      </p:sp>
+      <p:sp>
+        <p:nvSpPr>
+          <p:cNvPr id="10" name="Rectangle 9">
+            <a:extLst>
+              <a:ext uri="{FF2B5EF4-FFF2-40B4-BE49-F238E27FC236}">
+                <a16:creationId xmlns:a16="http://schemas.microsoft.com/office/drawing/2014/main" id="{71F4EF4B-591E-DB4E-BB59-604ECA5A3248}"/>
+              </a:ext>
+            </a:extLst>
+          </p:cNvPr>
+          <p:cNvSpPr/>
+          <p:nvPr/>
+        </p:nvSpPr>
+        <p:spPr>
+          <a:xfrm>
+            <a:off x="2921453" y="1352812"/>
+            <a:ext cx="4306065" cy="2617940"/>
+          </a:xfrm>
+          <a:prstGeom prst="rect">
+            <a:avLst/>
+          </a:prstGeom>
+          <a:noFill/>
+          <a:ln w="28575">
+            <a:solidFill>
+              <a:srgbClr val="002060"/>
+            </a:solidFill>
+          </a:ln>
+        </p:spPr>
+        <p:style>
+          <a:lnRef idx="2">
+            <a:schemeClr val="accent1">
+              <a:shade val="50000"/>
+            </a:schemeClr>
+          </a:lnRef>
+          <a:fillRef idx="1">
+            <a:schemeClr val="accent1"/>
+          </a:fillRef>
+          <a:effectRef idx="0">
+            <a:schemeClr val="accent1"/>
+          </a:effectRef>
+          <a:fontRef idx="minor">
+            <a:schemeClr val="lt1"/>
+          </a:fontRef>
+        </p:style>
+        <p:txBody>
+          <a:bodyPr rtlCol="0" anchor="ctr"/>
+          <a:lstStyle/>
+          <a:p>
+            <a:pPr algn="ctr"/>
+            <a:endParaRPr lang="en-US"/>
+          </a:p>
+        </p:txBody>
+      </p:sp>
+      <p:sp>
+        <p:nvSpPr>
+          <p:cNvPr id="11" name="Rectangle 10">
+            <a:extLst>
+              <a:ext uri="{FF2B5EF4-FFF2-40B4-BE49-F238E27FC236}">
+                <a16:creationId xmlns:a16="http://schemas.microsoft.com/office/drawing/2014/main" id="{40F0FC1C-627A-AB4D-AE07-503E6EA26C02}"/>
+              </a:ext>
+            </a:extLst>
+          </p:cNvPr>
+          <p:cNvSpPr/>
+          <p:nvPr/>
+        </p:nvSpPr>
+        <p:spPr>
+          <a:xfrm>
+            <a:off x="2921453" y="4058434"/>
+            <a:ext cx="4306065" cy="2507636"/>
+          </a:xfrm>
+          <a:prstGeom prst="rect">
+            <a:avLst/>
+          </a:prstGeom>
+          <a:noFill/>
+          <a:ln w="28575">
+            <a:solidFill>
+              <a:srgbClr val="00B0F0"/>
+            </a:solidFill>
+          </a:ln>
+        </p:spPr>
+        <p:style>
+          <a:lnRef idx="2">
+            <a:schemeClr val="accent1">
+              <a:shade val="50000"/>
+            </a:schemeClr>
+          </a:lnRef>
+          <a:fillRef idx="1">
+            <a:schemeClr val="accent1"/>
+          </a:fillRef>
+          <a:effectRef idx="0">
+            <a:schemeClr val="accent1"/>
+          </a:effectRef>
+          <a:fontRef idx="minor">
+            <a:schemeClr val="lt1"/>
+          </a:fontRef>
+        </p:style>
+        <p:txBody>
+          <a:bodyPr rtlCol="0" anchor="ctr"/>
+          <a:lstStyle/>
+          <a:p>
+            <a:pPr algn="ctr"/>
+            <a:endParaRPr lang="en-US"/>
+          </a:p>
+        </p:txBody>
+      </p:sp>
+      <p:sp>
+        <p:nvSpPr>
+          <p:cNvPr id="13" name="Rectangle 12">
+            <a:extLst>
+              <a:ext uri="{FF2B5EF4-FFF2-40B4-BE49-F238E27FC236}">
+                <a16:creationId xmlns:a16="http://schemas.microsoft.com/office/drawing/2014/main" id="{027F6AE9-AFC5-9E4F-A436-6319280CE477}"/>
+              </a:ext>
+            </a:extLst>
+          </p:cNvPr>
+          <p:cNvSpPr/>
+          <p:nvPr/>
+        </p:nvSpPr>
+        <p:spPr>
+          <a:xfrm>
+            <a:off x="7305563" y="1341500"/>
+            <a:ext cx="4306065" cy="2617940"/>
+          </a:xfrm>
+          <a:prstGeom prst="rect">
+            <a:avLst/>
+          </a:prstGeom>
+          <a:noFill/>
+          <a:ln w="28575">
+            <a:solidFill>
+              <a:srgbClr val="BA5C00"/>
+            </a:solidFill>
+          </a:ln>
+        </p:spPr>
+        <p:style>
+          <a:lnRef idx="2">
+            <a:schemeClr val="accent1">
+              <a:shade val="50000"/>
+            </a:schemeClr>
+          </a:lnRef>
+          <a:fillRef idx="1">
+            <a:schemeClr val="accent1"/>
+          </a:fillRef>
+          <a:effectRef idx="0">
+            <a:schemeClr val="accent1"/>
+          </a:effectRef>
+          <a:fontRef idx="minor">
+            <a:schemeClr val="lt1"/>
+          </a:fontRef>
+        </p:style>
+        <p:txBody>
+          <a:bodyPr rtlCol="0" anchor="ctr"/>
+          <a:lstStyle/>
+          <a:p>
+            <a:pPr algn="ctr"/>
+            <a:endParaRPr lang="en-US"/>
+          </a:p>
+        </p:txBody>
+      </p:sp>
+      <p:sp>
+        <p:nvSpPr>
+          <p:cNvPr id="14" name="Rectangle 13">
+            <a:extLst>
+              <a:ext uri="{FF2B5EF4-FFF2-40B4-BE49-F238E27FC236}">
+                <a16:creationId xmlns:a16="http://schemas.microsoft.com/office/drawing/2014/main" id="{74F812A1-B31B-464C-BE91-9F1A6CBCED54}"/>
+              </a:ext>
+            </a:extLst>
+          </p:cNvPr>
+          <p:cNvSpPr/>
+          <p:nvPr/>
+        </p:nvSpPr>
+        <p:spPr>
+          <a:xfrm>
+            <a:off x="7322425" y="4003282"/>
+            <a:ext cx="4306065" cy="2617940"/>
+          </a:xfrm>
+          <a:prstGeom prst="rect">
+            <a:avLst/>
+          </a:prstGeom>
+          <a:noFill/>
+          <a:ln w="28575">
+            <a:solidFill>
+              <a:schemeClr val="tx1">
+                <a:lumMod val="95000"/>
+                <a:lumOff val="5000"/>
+              </a:schemeClr>
+            </a:solidFill>
+          </a:ln>
+        </p:spPr>
+        <p:style>
+          <a:lnRef idx="2">
+            <a:schemeClr val="accent1">
+              <a:shade val="50000"/>
+            </a:schemeClr>
+          </a:lnRef>
+          <a:fillRef idx="1">
+            <a:schemeClr val="accent1"/>
+          </a:fillRef>
+          <a:effectRef idx="0">
+            <a:schemeClr val="accent1"/>
+          </a:effectRef>
+          <a:fontRef idx="minor">
+            <a:schemeClr val="lt1"/>
+          </a:fontRef>
+        </p:style>
+        <p:txBody>
+          <a:bodyPr rtlCol="0" anchor="ctr"/>
+          <a:lstStyle/>
+          <a:p>
+            <a:pPr algn="ctr"/>
+            <a:endParaRPr lang="en-US"/>
+          </a:p>
+        </p:txBody>
+      </p:sp>
+      <p:sp>
+        <p:nvSpPr>
+          <p:cNvPr id="15" name="Rectangle 14">
+            <a:extLst>
+              <a:ext uri="{FF2B5EF4-FFF2-40B4-BE49-F238E27FC236}">
+                <a16:creationId xmlns:a16="http://schemas.microsoft.com/office/drawing/2014/main" id="{BB672376-0A7B-4647-A287-B809D1E27A4D}"/>
+              </a:ext>
+            </a:extLst>
+          </p:cNvPr>
+          <p:cNvSpPr/>
+          <p:nvPr/>
+        </p:nvSpPr>
+        <p:spPr>
+          <a:xfrm>
+            <a:off x="524487" y="6649068"/>
+            <a:ext cx="11143026" cy="200798"/>
+          </a:xfrm>
+          <a:prstGeom prst="rect">
+            <a:avLst/>
+          </a:prstGeom>
+          <a:noFill/>
+          <a:ln w="28575">
+            <a:solidFill>
+              <a:srgbClr val="FF0000"/>
+            </a:solidFill>
+          </a:ln>
+        </p:spPr>
+        <p:style>
+          <a:lnRef idx="2">
+            <a:schemeClr val="accent1">
+              <a:shade val="50000"/>
+            </a:schemeClr>
+          </a:lnRef>
+          <a:fillRef idx="1">
+            <a:schemeClr val="accent1"/>
+          </a:fillRef>
+          <a:effectRef idx="0">
+            <a:schemeClr val="accent1"/>
+          </a:effectRef>
+          <a:fontRef idx="minor">
+            <a:schemeClr val="lt1"/>
+          </a:fontRef>
+        </p:style>
+        <p:txBody>
+          <a:bodyPr rtlCol="0" anchor="ctr"/>
+          <a:lstStyle/>
+          <a:p>
+            <a:pPr algn="ctr"/>
+            <a:endParaRPr lang="en-US">
+              <a:solidFill>
+                <a:srgbClr val="FF0000"/>
+              </a:solidFill>
+            </a:endParaRPr>
+          </a:p>
+        </p:txBody>
+      </p:sp>
+      <p:sp>
+        <p:nvSpPr>
+          <p:cNvPr id="17" name="Oval 16">
+            <a:extLst>
+              <a:ext uri="{FF2B5EF4-FFF2-40B4-BE49-F238E27FC236}">
+                <a16:creationId xmlns:a16="http://schemas.microsoft.com/office/drawing/2014/main" id="{F549F29F-1A23-AD49-9FF0-3E603570B9A4}"/>
+              </a:ext>
+            </a:extLst>
+          </p:cNvPr>
+          <p:cNvSpPr/>
+          <p:nvPr/>
+        </p:nvSpPr>
+        <p:spPr>
+          <a:xfrm>
+            <a:off x="10179932" y="276074"/>
+            <a:ext cx="624386" cy="624386"/>
+          </a:xfrm>
+          <a:prstGeom prst="ellipse">
+            <a:avLst/>
+          </a:prstGeom>
+          <a:solidFill>
+            <a:srgbClr val="FF0000"/>
+          </a:solidFill>
+          <a:ln>
+            <a:noFill/>
+          </a:ln>
+        </p:spPr>
+        <p:style>
+          <a:lnRef idx="2">
+            <a:schemeClr val="accent1">
+              <a:shade val="50000"/>
+            </a:schemeClr>
+          </a:lnRef>
+          <a:fillRef idx="1">
+            <a:schemeClr val="accent1"/>
+          </a:fillRef>
+          <a:effectRef idx="0">
+            <a:schemeClr val="accent1"/>
+          </a:effectRef>
+          <a:fontRef idx="minor">
+            <a:schemeClr val="lt1"/>
+          </a:fontRef>
+        </p:style>
+        <p:txBody>
+          <a:bodyPr rtlCol="0" anchor="ctr"/>
+          <a:lstStyle/>
+          <a:p>
+            <a:pPr algn="ctr"/>
+            <a:r>
+              <a:rPr lang="en-US" sz="4800" b="1" dirty="0"/>
+              <a:t>1</a:t>
+            </a:r>
+          </a:p>
+        </p:txBody>
+      </p:sp>
+      <p:cxnSp>
+        <p:nvCxnSpPr>
+          <p:cNvPr id="18" name="Straight Arrow Connector 17">
+            <a:extLst>
+              <a:ext uri="{FF2B5EF4-FFF2-40B4-BE49-F238E27FC236}">
+                <a16:creationId xmlns:a16="http://schemas.microsoft.com/office/drawing/2014/main" id="{6FFE2DB6-B7E3-AA4A-8A6D-6C9A2A028F0B}"/>
+              </a:ext>
+            </a:extLst>
+          </p:cNvPr>
+          <p:cNvCxnSpPr>
+            <a:cxnSpLocks/>
+          </p:cNvCxnSpPr>
+          <p:nvPr/>
+        </p:nvCxnSpPr>
+        <p:spPr>
+          <a:xfrm flipH="1" flipV="1">
+            <a:off x="9316737" y="100208"/>
+            <a:ext cx="1009922" cy="351732"/>
+          </a:xfrm>
+          <a:prstGeom prst="straightConnector1">
+            <a:avLst/>
+          </a:prstGeom>
+          <a:ln w="57150">
+            <a:solidFill>
+              <a:srgbClr val="FF0000"/>
+            </a:solidFill>
+            <a:tailEnd type="triangle"/>
+          </a:ln>
+        </p:spPr>
+        <p:style>
+          <a:lnRef idx="1">
+            <a:schemeClr val="accent1"/>
+          </a:lnRef>
+          <a:fillRef idx="0">
+            <a:schemeClr val="accent1"/>
+          </a:fillRef>
+          <a:effectRef idx="0">
+            <a:schemeClr val="accent1"/>
+          </a:effectRef>
+          <a:fontRef idx="minor">
+            <a:schemeClr val="tx1"/>
+          </a:fontRef>
+        </p:style>
+      </p:cxnSp>
+      <p:sp>
+        <p:nvSpPr>
+          <p:cNvPr id="19" name="Oval 18">
+            <a:extLst>
+              <a:ext uri="{FF2B5EF4-FFF2-40B4-BE49-F238E27FC236}">
+                <a16:creationId xmlns:a16="http://schemas.microsoft.com/office/drawing/2014/main" id="{229589E1-75E8-5847-9CEC-98A5832334AB}"/>
+              </a:ext>
+            </a:extLst>
+          </p:cNvPr>
+          <p:cNvSpPr/>
+          <p:nvPr/>
+        </p:nvSpPr>
+        <p:spPr>
+          <a:xfrm>
+            <a:off x="2796012" y="208932"/>
+            <a:ext cx="624386" cy="624386"/>
+          </a:xfrm>
+          <a:prstGeom prst="ellipse">
+            <a:avLst/>
+          </a:prstGeom>
+          <a:solidFill>
+            <a:srgbClr val="00B050"/>
+          </a:solidFill>
+          <a:ln>
+            <a:noFill/>
+          </a:ln>
+        </p:spPr>
+        <p:style>
+          <a:lnRef idx="2">
+            <a:schemeClr val="accent1">
+              <a:shade val="50000"/>
+            </a:schemeClr>
+          </a:lnRef>
+          <a:fillRef idx="1">
+            <a:schemeClr val="accent1"/>
+          </a:fillRef>
+          <a:effectRef idx="0">
+            <a:schemeClr val="accent1"/>
+          </a:effectRef>
+          <a:fontRef idx="minor">
+            <a:schemeClr val="lt1"/>
+          </a:fontRef>
+        </p:style>
+        <p:txBody>
+          <a:bodyPr rtlCol="0" anchor="ctr"/>
+          <a:lstStyle/>
+          <a:p>
+            <a:pPr algn="ctr"/>
+            <a:r>
+              <a:rPr lang="en-US" sz="4800" b="1" dirty="0"/>
+              <a:t>2</a:t>
+            </a:r>
+          </a:p>
+        </p:txBody>
+      </p:sp>
+      <p:sp>
+        <p:nvSpPr>
+          <p:cNvPr id="20" name="Oval 19">
+            <a:extLst>
+              <a:ext uri="{FF2B5EF4-FFF2-40B4-BE49-F238E27FC236}">
+                <a16:creationId xmlns:a16="http://schemas.microsoft.com/office/drawing/2014/main" id="{2BDB1CB0-C3CD-AC44-BED1-27CC62102D72}"/>
+              </a:ext>
+            </a:extLst>
+          </p:cNvPr>
+          <p:cNvSpPr/>
+          <p:nvPr/>
+        </p:nvSpPr>
+        <p:spPr>
+          <a:xfrm>
+            <a:off x="6698039" y="638027"/>
+            <a:ext cx="624386" cy="624386"/>
+          </a:xfrm>
+          <a:prstGeom prst="ellipse">
+            <a:avLst/>
+          </a:prstGeom>
+          <a:solidFill>
+            <a:srgbClr val="7030A0"/>
+          </a:solidFill>
+          <a:ln>
+            <a:noFill/>
+          </a:ln>
+        </p:spPr>
+        <p:style>
+          <a:lnRef idx="2">
+            <a:schemeClr val="accent1">
+              <a:shade val="50000"/>
+            </a:schemeClr>
+          </a:lnRef>
+          <a:fillRef idx="1">
+            <a:schemeClr val="accent1"/>
+          </a:fillRef>
+          <a:effectRef idx="0">
+            <a:schemeClr val="accent1"/>
+          </a:effectRef>
+          <a:fontRef idx="minor">
+            <a:schemeClr val="lt1"/>
+          </a:fontRef>
+        </p:style>
+        <p:txBody>
+          <a:bodyPr rtlCol="0" anchor="ctr"/>
+          <a:lstStyle/>
+          <a:p>
+            <a:pPr algn="ctr"/>
+            <a:r>
+              <a:rPr lang="en-US" sz="4800" b="1" dirty="0"/>
+              <a:t>3</a:t>
+            </a:r>
+          </a:p>
+        </p:txBody>
+      </p:sp>
+      <p:sp>
+        <p:nvSpPr>
+          <p:cNvPr id="22" name="Oval 21">
+            <a:extLst>
+              <a:ext uri="{FF2B5EF4-FFF2-40B4-BE49-F238E27FC236}">
+                <a16:creationId xmlns:a16="http://schemas.microsoft.com/office/drawing/2014/main" id="{C8851867-B46C-6D43-94AC-857CA3271AAA}"/>
+              </a:ext>
+            </a:extLst>
+          </p:cNvPr>
+          <p:cNvSpPr/>
+          <p:nvPr/>
+        </p:nvSpPr>
+        <p:spPr>
+          <a:xfrm>
+            <a:off x="7345649" y="5941685"/>
+            <a:ext cx="624386" cy="624386"/>
+          </a:xfrm>
+          <a:prstGeom prst="ellipse">
+            <a:avLst/>
+          </a:prstGeom>
+          <a:solidFill>
+            <a:srgbClr val="FF0000"/>
+          </a:solidFill>
+          <a:ln>
+            <a:noFill/>
+          </a:ln>
+        </p:spPr>
+        <p:style>
+          <a:lnRef idx="2">
+            <a:schemeClr val="accent1">
+              <a:shade val="50000"/>
+            </a:schemeClr>
+          </a:lnRef>
+          <a:fillRef idx="1">
+            <a:schemeClr val="accent1"/>
+          </a:fillRef>
+          <a:effectRef idx="0">
+            <a:schemeClr val="accent1"/>
+          </a:effectRef>
+          <a:fontRef idx="minor">
+            <a:schemeClr val="lt1"/>
+          </a:fontRef>
+        </p:style>
+        <p:txBody>
+          <a:bodyPr rtlCol="0" anchor="ctr"/>
+          <a:lstStyle/>
+          <a:p>
+            <a:pPr algn="ctr"/>
+            <a:r>
+              <a:rPr lang="en-US" sz="4800" b="1" dirty="0"/>
+              <a:t>4</a:t>
+            </a:r>
+          </a:p>
+        </p:txBody>
+      </p:sp>
+      <p:cxnSp>
+        <p:nvCxnSpPr>
+          <p:cNvPr id="23" name="Straight Arrow Connector 22">
+            <a:extLst>
+              <a:ext uri="{FF2B5EF4-FFF2-40B4-BE49-F238E27FC236}">
+                <a16:creationId xmlns:a16="http://schemas.microsoft.com/office/drawing/2014/main" id="{7C729C40-ECE0-4441-AC0E-AA074CC0F9F2}"/>
+              </a:ext>
+            </a:extLst>
+          </p:cNvPr>
+          <p:cNvCxnSpPr>
+            <a:cxnSpLocks/>
+          </p:cNvCxnSpPr>
+          <p:nvPr/>
+        </p:nvCxnSpPr>
+        <p:spPr>
+          <a:xfrm flipH="1">
+            <a:off x="6413326" y="6233766"/>
+            <a:ext cx="1051749" cy="542086"/>
+          </a:xfrm>
+          <a:prstGeom prst="straightConnector1">
+            <a:avLst/>
+          </a:prstGeom>
+          <a:ln w="57150">
+            <a:solidFill>
+              <a:srgbClr val="FF0000"/>
+            </a:solidFill>
+            <a:tailEnd type="triangle"/>
+          </a:ln>
+        </p:spPr>
+        <p:style>
+          <a:lnRef idx="1">
+            <a:schemeClr val="accent1"/>
+          </a:lnRef>
+          <a:fillRef idx="0">
+            <a:schemeClr val="accent1"/>
+          </a:fillRef>
+          <a:effectRef idx="0">
+            <a:schemeClr val="accent1"/>
+          </a:effectRef>
+          <a:fontRef idx="minor">
+            <a:schemeClr val="tx1"/>
+          </a:fontRef>
+        </p:style>
+      </p:cxnSp>
+      <p:sp>
+        <p:nvSpPr>
+          <p:cNvPr id="24" name="Oval 23">
+            <a:extLst>
+              <a:ext uri="{FF2B5EF4-FFF2-40B4-BE49-F238E27FC236}">
+                <a16:creationId xmlns:a16="http://schemas.microsoft.com/office/drawing/2014/main" id="{D6E2D2B3-D9DF-B24C-8259-85116BBC3716}"/>
+              </a:ext>
+            </a:extLst>
+          </p:cNvPr>
+          <p:cNvSpPr/>
+          <p:nvPr/>
+        </p:nvSpPr>
+        <p:spPr>
+          <a:xfrm>
+            <a:off x="9821698" y="5625636"/>
+            <a:ext cx="624386" cy="624386"/>
+          </a:xfrm>
+          <a:prstGeom prst="ellipse">
+            <a:avLst/>
+          </a:prstGeom>
+          <a:solidFill>
+            <a:schemeClr val="tx1"/>
+          </a:solidFill>
+          <a:ln>
+            <a:noFill/>
+          </a:ln>
+        </p:spPr>
+        <p:style>
+          <a:lnRef idx="2">
+            <a:schemeClr val="accent1">
+              <a:shade val="50000"/>
+            </a:schemeClr>
+          </a:lnRef>
+          <a:fillRef idx="1">
+            <a:schemeClr val="accent1"/>
+          </a:fillRef>
+          <a:effectRef idx="0">
+            <a:schemeClr val="accent1"/>
+          </a:effectRef>
+          <a:fontRef idx="minor">
+            <a:schemeClr val="lt1"/>
+          </a:fontRef>
+        </p:style>
+        <p:txBody>
+          <a:bodyPr rtlCol="0" anchor="ctr"/>
+          <a:lstStyle/>
+          <a:p>
+            <a:pPr algn="ctr"/>
+            <a:r>
+              <a:rPr lang="en-US" sz="4800" b="1" dirty="0"/>
+              <a:t>5</a:t>
+            </a:r>
+          </a:p>
+        </p:txBody>
+      </p:sp>
+      <p:sp>
+        <p:nvSpPr>
+          <p:cNvPr id="25" name="Oval 24">
+            <a:extLst>
+              <a:ext uri="{FF2B5EF4-FFF2-40B4-BE49-F238E27FC236}">
+                <a16:creationId xmlns:a16="http://schemas.microsoft.com/office/drawing/2014/main" id="{8B940105-E7D4-5B4B-882A-BD76EBC8443F}"/>
+              </a:ext>
+            </a:extLst>
+          </p:cNvPr>
+          <p:cNvSpPr/>
+          <p:nvPr/>
+        </p:nvSpPr>
+        <p:spPr>
+          <a:xfrm>
+            <a:off x="9146402" y="2460725"/>
+            <a:ext cx="624386" cy="624386"/>
+          </a:xfrm>
+          <a:prstGeom prst="ellipse">
+            <a:avLst/>
+          </a:prstGeom>
+          <a:solidFill>
+            <a:srgbClr val="BA5C00"/>
+          </a:solidFill>
+          <a:ln>
+            <a:noFill/>
+          </a:ln>
+        </p:spPr>
+        <p:style>
+          <a:lnRef idx="2">
+            <a:schemeClr val="accent1">
+              <a:shade val="50000"/>
+            </a:schemeClr>
+          </a:lnRef>
+          <a:fillRef idx="1">
+            <a:schemeClr val="accent1"/>
+          </a:fillRef>
+          <a:effectRef idx="0">
+            <a:schemeClr val="accent1"/>
+          </a:effectRef>
+          <a:fontRef idx="minor">
+            <a:schemeClr val="lt1"/>
+          </a:fontRef>
+        </p:style>
+        <p:txBody>
+          <a:bodyPr rtlCol="0" anchor="ctr"/>
+          <a:lstStyle/>
+          <a:p>
+            <a:pPr algn="ctr"/>
+            <a:r>
+              <a:rPr lang="en-US" sz="4800" b="1" dirty="0"/>
+              <a:t>7</a:t>
+            </a:r>
+          </a:p>
+        </p:txBody>
+      </p:sp>
+      <p:sp>
+        <p:nvSpPr>
+          <p:cNvPr id="26" name="Oval 25">
+            <a:extLst>
+              <a:ext uri="{FF2B5EF4-FFF2-40B4-BE49-F238E27FC236}">
+                <a16:creationId xmlns:a16="http://schemas.microsoft.com/office/drawing/2014/main" id="{3AAE836C-E941-684A-96A1-DF26C0FED6A9}"/>
+              </a:ext>
+            </a:extLst>
+          </p:cNvPr>
+          <p:cNvSpPr/>
+          <p:nvPr/>
+        </p:nvSpPr>
+        <p:spPr>
+          <a:xfrm>
+            <a:off x="1945851" y="2361610"/>
+            <a:ext cx="624386" cy="624386"/>
+          </a:xfrm>
+          <a:prstGeom prst="ellipse">
+            <a:avLst/>
+          </a:prstGeom>
+          <a:solidFill>
+            <a:srgbClr val="FFC000"/>
+          </a:solidFill>
+          <a:ln>
+            <a:noFill/>
+          </a:ln>
+        </p:spPr>
+        <p:style>
+          <a:lnRef idx="2">
+            <a:schemeClr val="accent1">
+              <a:shade val="50000"/>
+            </a:schemeClr>
+          </a:lnRef>
+          <a:fillRef idx="1">
+            <a:schemeClr val="accent1"/>
+          </a:fillRef>
+          <a:effectRef idx="0">
+            <a:schemeClr val="accent1"/>
+          </a:effectRef>
+          <a:fontRef idx="minor">
+            <a:schemeClr val="lt1"/>
+          </a:fontRef>
+        </p:style>
+        <p:txBody>
+          <a:bodyPr rtlCol="0" anchor="ctr"/>
+          <a:lstStyle/>
+          <a:p>
+            <a:pPr algn="ctr"/>
+            <a:r>
+              <a:rPr lang="en-US" sz="4800" b="1" dirty="0"/>
+              <a:t>6</a:t>
+            </a:r>
+          </a:p>
+        </p:txBody>
+      </p:sp>
+      <p:sp>
+        <p:nvSpPr>
+          <p:cNvPr id="27" name="Oval 26">
+            <a:extLst>
+              <a:ext uri="{FF2B5EF4-FFF2-40B4-BE49-F238E27FC236}">
+                <a16:creationId xmlns:a16="http://schemas.microsoft.com/office/drawing/2014/main" id="{ED5A0E97-3BB1-9B44-81A4-F3C0F7B1A0C2}"/>
+              </a:ext>
+            </a:extLst>
+          </p:cNvPr>
+          <p:cNvSpPr/>
+          <p:nvPr/>
+        </p:nvSpPr>
+        <p:spPr>
+          <a:xfrm>
+            <a:off x="6073653" y="4745396"/>
+            <a:ext cx="624386" cy="624386"/>
+          </a:xfrm>
+          <a:prstGeom prst="ellipse">
+            <a:avLst/>
+          </a:prstGeom>
+          <a:solidFill>
+            <a:srgbClr val="00B0F0"/>
+          </a:solidFill>
+          <a:ln>
+            <a:noFill/>
+          </a:ln>
+        </p:spPr>
+        <p:style>
+          <a:lnRef idx="2">
+            <a:schemeClr val="accent1">
+              <a:shade val="50000"/>
+            </a:schemeClr>
+          </a:lnRef>
+          <a:fillRef idx="1">
+            <a:schemeClr val="accent1"/>
+          </a:fillRef>
+          <a:effectRef idx="0">
+            <a:schemeClr val="accent1"/>
+          </a:effectRef>
+          <a:fontRef idx="minor">
+            <a:schemeClr val="lt1"/>
+          </a:fontRef>
+        </p:style>
+        <p:txBody>
+          <a:bodyPr rtlCol="0" anchor="ctr"/>
+          <a:lstStyle/>
+          <a:p>
+            <a:pPr algn="ctr"/>
+            <a:r>
+              <a:rPr lang="en-US" sz="4800" b="1" dirty="0"/>
+              <a:t>8</a:t>
+            </a:r>
+          </a:p>
+        </p:txBody>
+      </p:sp>
+      <p:sp>
+        <p:nvSpPr>
+          <p:cNvPr id="28" name="Oval 27">
+            <a:extLst>
+              <a:ext uri="{FF2B5EF4-FFF2-40B4-BE49-F238E27FC236}">
+                <a16:creationId xmlns:a16="http://schemas.microsoft.com/office/drawing/2014/main" id="{9E8B23AC-A497-1146-8F43-C9C87B759FA5}"/>
+              </a:ext>
+            </a:extLst>
+          </p:cNvPr>
+          <p:cNvSpPr/>
+          <p:nvPr/>
+        </p:nvSpPr>
+        <p:spPr>
+          <a:xfrm>
+            <a:off x="6073653" y="3180704"/>
+            <a:ext cx="624386" cy="624386"/>
+          </a:xfrm>
+          <a:prstGeom prst="ellipse">
+            <a:avLst/>
+          </a:prstGeom>
+          <a:solidFill>
+            <a:srgbClr val="002060"/>
+          </a:solidFill>
+          <a:ln>
+            <a:noFill/>
+          </a:ln>
+        </p:spPr>
+        <p:style>
+          <a:lnRef idx="2">
+            <a:schemeClr val="accent1">
+              <a:shade val="50000"/>
+            </a:schemeClr>
+          </a:lnRef>
+          <a:fillRef idx="1">
+            <a:schemeClr val="accent1"/>
+          </a:fillRef>
+          <a:effectRef idx="0">
+            <a:schemeClr val="accent1"/>
+          </a:effectRef>
+          <a:fontRef idx="minor">
+            <a:schemeClr val="lt1"/>
+          </a:fontRef>
+        </p:style>
+        <p:txBody>
+          <a:bodyPr rtlCol="0" anchor="ctr"/>
+          <a:lstStyle/>
+          <a:p>
+            <a:pPr algn="ctr"/>
+            <a:r>
+              <a:rPr lang="en-US" sz="4800" b="1" dirty="0"/>
+              <a:t>9</a:t>
+            </a:r>
+          </a:p>
+        </p:txBody>
+      </p:sp>
+    </p:spTree>
+    <p:extLst>
+      <p:ext uri="{BB962C8B-B14F-4D97-AF65-F5344CB8AC3E}">
+        <p14:creationId xmlns:p14="http://schemas.microsoft.com/office/powerpoint/2010/main" val="3181808551"/>
       </p:ext>
     </p:extLst>
   </p:cSld>
